--- a/S02/python-S02.pptx
+++ b/S02/python-S02.pptx
@@ -374,7 +374,7 @@
           <a:p>
             <a:fld id="{02EF974B-A7E7-4F83-B48F-3417BE9A34E5}" type="datetimeFigureOut">
               <a:rPr lang="en-US" smtClean="0"/>
-              <a:t>11/4/2025</a:t>
+              <a:t>11/11/2025</a:t>
             </a:fld>
             <a:endParaRPr lang="en-US"/>
           </a:p>
@@ -1426,7 +1426,7 @@
           <a:p>
             <a:fld id="{1B47A3A2-ECA8-4476-8799-B477369250BE}" type="datetimeFigureOut">
               <a:rPr lang="en-US" smtClean="0"/>
-              <a:t>11/4/2025</a:t>
+              <a:t>11/11/2025</a:t>
             </a:fld>
             <a:endParaRPr lang="en-US"/>
           </a:p>
@@ -1724,7 +1724,7 @@
           <a:p>
             <a:fld id="{1B47A3A2-ECA8-4476-8799-B477369250BE}" type="datetimeFigureOut">
               <a:rPr lang="en-US" smtClean="0"/>
-              <a:t>11/4/2025</a:t>
+              <a:t>11/11/2025</a:t>
             </a:fld>
             <a:endParaRPr lang="en-US"/>
           </a:p>
@@ -1916,7 +1916,7 @@
           <a:p>
             <a:fld id="{1B47A3A2-ECA8-4476-8799-B477369250BE}" type="datetimeFigureOut">
               <a:rPr lang="en-US" smtClean="0"/>
-              <a:t>11/4/2025</a:t>
+              <a:t>11/11/2025</a:t>
             </a:fld>
             <a:endParaRPr lang="en-US"/>
           </a:p>
@@ -2177,7 +2177,7 @@
           <a:p>
             <a:fld id="{1B47A3A2-ECA8-4476-8799-B477369250BE}" type="datetimeFigureOut">
               <a:rPr lang="en-US" smtClean="0"/>
-              <a:t>11/4/2025</a:t>
+              <a:t>11/11/2025</a:t>
             </a:fld>
             <a:endParaRPr lang="en-US"/>
           </a:p>
@@ -2601,7 +2601,7 @@
           <a:p>
             <a:fld id="{1B47A3A2-ECA8-4476-8799-B477369250BE}" type="datetimeFigureOut">
               <a:rPr lang="en-US" smtClean="0"/>
-              <a:t>11/4/2025</a:t>
+              <a:t>11/11/2025</a:t>
             </a:fld>
             <a:endParaRPr lang="en-US"/>
           </a:p>
@@ -3138,7 +3138,7 @@
           <a:p>
             <a:fld id="{1B47A3A2-ECA8-4476-8799-B477369250BE}" type="datetimeFigureOut">
               <a:rPr lang="en-US" smtClean="0"/>
-              <a:t>11/4/2025</a:t>
+              <a:t>11/11/2025</a:t>
             </a:fld>
             <a:endParaRPr lang="en-US"/>
           </a:p>
@@ -4002,7 +4002,7 @@
           <a:p>
             <a:fld id="{1B47A3A2-ECA8-4476-8799-B477369250BE}" type="datetimeFigureOut">
               <a:rPr lang="en-US" smtClean="0"/>
-              <a:t>11/4/2025</a:t>
+              <a:t>11/11/2025</a:t>
             </a:fld>
             <a:endParaRPr lang="en-US"/>
           </a:p>
@@ -4172,7 +4172,7 @@
           <a:p>
             <a:fld id="{1B47A3A2-ECA8-4476-8799-B477369250BE}" type="datetimeFigureOut">
               <a:rPr lang="en-US" smtClean="0"/>
-              <a:t>11/4/2025</a:t>
+              <a:t>11/11/2025</a:t>
             </a:fld>
             <a:endParaRPr lang="en-US"/>
           </a:p>
@@ -4356,7 +4356,7 @@
           <a:p>
             <a:fld id="{1B47A3A2-ECA8-4476-8799-B477369250BE}" type="datetimeFigureOut">
               <a:rPr lang="en-US" smtClean="0"/>
-              <a:t>11/4/2025</a:t>
+              <a:t>11/11/2025</a:t>
             </a:fld>
             <a:endParaRPr lang="en-US"/>
           </a:p>
@@ -4526,7 +4526,7 @@
           <a:p>
             <a:fld id="{1B47A3A2-ECA8-4476-8799-B477369250BE}" type="datetimeFigureOut">
               <a:rPr lang="en-US" smtClean="0"/>
-              <a:t>11/4/2025</a:t>
+              <a:t>11/11/2025</a:t>
             </a:fld>
             <a:endParaRPr lang="en-US"/>
           </a:p>
@@ -4770,7 +4770,7 @@
           <a:p>
             <a:fld id="{1B47A3A2-ECA8-4476-8799-B477369250BE}" type="datetimeFigureOut">
               <a:rPr lang="en-US" smtClean="0"/>
-              <a:t>11/4/2025</a:t>
+              <a:t>11/11/2025</a:t>
             </a:fld>
             <a:endParaRPr lang="en-US"/>
           </a:p>
@@ -5006,7 +5006,7 @@
           <a:p>
             <a:fld id="{1B47A3A2-ECA8-4476-8799-B477369250BE}" type="datetimeFigureOut">
               <a:rPr lang="en-US" smtClean="0"/>
-              <a:t>11/4/2025</a:t>
+              <a:t>11/11/2025</a:t>
             </a:fld>
             <a:endParaRPr lang="en-US"/>
           </a:p>
@@ -5472,7 +5472,7 @@
           <a:p>
             <a:fld id="{1B47A3A2-ECA8-4476-8799-B477369250BE}" type="datetimeFigureOut">
               <a:rPr lang="en-US" smtClean="0"/>
-              <a:t>11/4/2025</a:t>
+              <a:t>11/11/2025</a:t>
             </a:fld>
             <a:endParaRPr lang="en-US"/>
           </a:p>
@@ -5590,7 +5590,7 @@
           <a:p>
             <a:fld id="{1B47A3A2-ECA8-4476-8799-B477369250BE}" type="datetimeFigureOut">
               <a:rPr lang="en-US" smtClean="0"/>
-              <a:t>11/4/2025</a:t>
+              <a:t>11/11/2025</a:t>
             </a:fld>
             <a:endParaRPr lang="en-US"/>
           </a:p>
@@ -5685,7 +5685,7 @@
           <a:p>
             <a:fld id="{1B47A3A2-ECA8-4476-8799-B477369250BE}" type="datetimeFigureOut">
               <a:rPr lang="en-US" smtClean="0"/>
-              <a:t>11/4/2025</a:t>
+              <a:t>11/11/2025</a:t>
             </a:fld>
             <a:endParaRPr lang="en-US"/>
           </a:p>
@@ -5940,7 +5940,7 @@
           <a:p>
             <a:fld id="{1B47A3A2-ECA8-4476-8799-B477369250BE}" type="datetimeFigureOut">
               <a:rPr lang="en-US" smtClean="0"/>
-              <a:t>11/4/2025</a:t>
+              <a:t>11/11/2025</a:t>
             </a:fld>
             <a:endParaRPr lang="en-US"/>
           </a:p>
@@ -6240,7 +6240,7 @@
           <a:p>
             <a:fld id="{1B47A3A2-ECA8-4476-8799-B477369250BE}" type="datetimeFigureOut">
               <a:rPr lang="en-US" smtClean="0"/>
-              <a:t>11/4/2025</a:t>
+              <a:t>11/11/2025</a:t>
             </a:fld>
             <a:endParaRPr lang="en-US"/>
           </a:p>
@@ -6474,7 +6474,7 @@
           <a:p>
             <a:fld id="{1B47A3A2-ECA8-4476-8799-B477369250BE}" type="datetimeFigureOut">
               <a:rPr lang="en-US" smtClean="0"/>
-              <a:t>11/4/2025</a:t>
+              <a:t>11/11/2025</a:t>
             </a:fld>
             <a:endParaRPr lang="en-US"/>
           </a:p>
